--- a/figs/SFig_Training_NICER.pptx
+++ b/figs/SFig_Training_NICER.pptx
@@ -2,12 +2,12 @@
 <file path=ppt/presentation.xml><?xml version="1.0" encoding="utf-8"?>
 <p:presentation xmlns:a="http://schemas.openxmlformats.org/drawingml/2006/main" xmlns:r="http://schemas.openxmlformats.org/officeDocument/2006/relationships" xmlns:p="http://schemas.openxmlformats.org/presentationml/2006/main" saveSubsetFonts="1">
   <p:sldMasterIdLst>
-    <p:sldMasterId id="2147483696" r:id="rId1"/>
+    <p:sldMasterId id="2147483732" r:id="rId1"/>
   </p:sldMasterIdLst>
   <p:sldIdLst>
     <p:sldId id="256" r:id="rId2"/>
   </p:sldIdLst>
-  <p:sldSz cx="7559675" cy="11160125"/>
+  <p:sldSz cx="7559675" cy="7559675"/>
   <p:notesSz cx="6858000" cy="9144000"/>
   <p:defaultTextStyle>
     <a:defPPr>
@@ -104,6 +104,11 @@
       </a:defRPr>
     </a:lvl9pPr>
   </p:defaultTextStyle>
+  <p:extLst>
+    <p:ext uri="{EFAFB233-063F-42B5-8137-9DF3F51BA10A}">
+      <p15:sldGuideLst xmlns:p15="http://schemas.microsoft.com/office/powerpoint/2012/main"/>
+    </p:ext>
+  </p:extLst>
 </p:presentation>
 </file>
 
@@ -136,8 +141,8 @@
         </p:nvSpPr>
         <p:spPr>
           <a:xfrm>
-            <a:off x="566976" y="1826438"/>
-            <a:ext cx="6425724" cy="3885377"/>
+            <a:off x="566976" y="1237197"/>
+            <a:ext cx="6425724" cy="2631887"/>
           </a:xfrm>
         </p:spPr>
         <p:txBody>
@@ -168,8 +173,8 @@
         </p:nvSpPr>
         <p:spPr>
           <a:xfrm>
-            <a:off x="944960" y="5861650"/>
-            <a:ext cx="5669756" cy="2694446"/>
+            <a:off x="944960" y="3970580"/>
+            <a:ext cx="5669756" cy="1825171"/>
           </a:xfrm>
         </p:spPr>
         <p:txBody>
@@ -238,7 +243,7 @@
           <a:p>
             <a:fld id="{5771F580-0499-3B4B-87CF-4B8A4B8895CC}" type="datetimeFigureOut">
               <a:rPr lang="de-DE" smtClean="0"/>
-              <a:t>13.10.18</a:t>
+              <a:t>13.11.18</a:t>
             </a:fld>
             <a:endParaRPr lang="de-DE"/>
           </a:p>
@@ -289,7 +294,7 @@
     </p:spTree>
     <p:extLst>
       <p:ext uri="{BB962C8B-B14F-4D97-AF65-F5344CB8AC3E}">
-        <p14:creationId xmlns:p14="http://schemas.microsoft.com/office/powerpoint/2010/main" val="1611187761"/>
+        <p14:creationId xmlns:p14="http://schemas.microsoft.com/office/powerpoint/2010/main" val="3310085568"/>
       </p:ext>
     </p:extLst>
   </p:cSld>
@@ -408,7 +413,7 @@
           <a:p>
             <a:fld id="{5771F580-0499-3B4B-87CF-4B8A4B8895CC}" type="datetimeFigureOut">
               <a:rPr lang="de-DE" smtClean="0"/>
-              <a:t>13.10.18</a:t>
+              <a:t>13.11.18</a:t>
             </a:fld>
             <a:endParaRPr lang="de-DE"/>
           </a:p>
@@ -459,7 +464,7 @@
     </p:spTree>
     <p:extLst>
       <p:ext uri="{BB962C8B-B14F-4D97-AF65-F5344CB8AC3E}">
-        <p14:creationId xmlns:p14="http://schemas.microsoft.com/office/powerpoint/2010/main" val="1793660487"/>
+        <p14:creationId xmlns:p14="http://schemas.microsoft.com/office/powerpoint/2010/main" val="591995924"/>
       </p:ext>
     </p:extLst>
   </p:cSld>
@@ -498,8 +503,8 @@
         </p:nvSpPr>
         <p:spPr>
           <a:xfrm>
-            <a:off x="5409893" y="594173"/>
-            <a:ext cx="1630055" cy="9457690"/>
+            <a:off x="5409893" y="402483"/>
+            <a:ext cx="1630055" cy="6406475"/>
           </a:xfrm>
         </p:spPr>
         <p:txBody>
@@ -526,8 +531,8 @@
         </p:nvSpPr>
         <p:spPr>
           <a:xfrm>
-            <a:off x="519728" y="594173"/>
-            <a:ext cx="4795669" cy="9457690"/>
+            <a:off x="519728" y="402483"/>
+            <a:ext cx="4795669" cy="6406475"/>
           </a:xfrm>
         </p:spPr>
         <p:txBody>
@@ -588,7 +593,7 @@
           <a:p>
             <a:fld id="{5771F580-0499-3B4B-87CF-4B8A4B8895CC}" type="datetimeFigureOut">
               <a:rPr lang="de-DE" smtClean="0"/>
-              <a:t>13.10.18</a:t>
+              <a:t>13.11.18</a:t>
             </a:fld>
             <a:endParaRPr lang="de-DE"/>
           </a:p>
@@ -639,7 +644,7 @@
     </p:spTree>
     <p:extLst>
       <p:ext uri="{BB962C8B-B14F-4D97-AF65-F5344CB8AC3E}">
-        <p14:creationId xmlns:p14="http://schemas.microsoft.com/office/powerpoint/2010/main" val="2339642765"/>
+        <p14:creationId xmlns:p14="http://schemas.microsoft.com/office/powerpoint/2010/main" val="4004845224"/>
       </p:ext>
     </p:extLst>
   </p:cSld>
@@ -758,7 +763,7 @@
           <a:p>
             <a:fld id="{5771F580-0499-3B4B-87CF-4B8A4B8895CC}" type="datetimeFigureOut">
               <a:rPr lang="de-DE" smtClean="0"/>
-              <a:t>13.10.18</a:t>
+              <a:t>13.11.18</a:t>
             </a:fld>
             <a:endParaRPr lang="de-DE"/>
           </a:p>
@@ -809,7 +814,7 @@
     </p:spTree>
     <p:extLst>
       <p:ext uri="{BB962C8B-B14F-4D97-AF65-F5344CB8AC3E}">
-        <p14:creationId xmlns:p14="http://schemas.microsoft.com/office/powerpoint/2010/main" val="3560352553"/>
+        <p14:creationId xmlns:p14="http://schemas.microsoft.com/office/powerpoint/2010/main" val="1095624873"/>
       </p:ext>
     </p:extLst>
   </p:cSld>
@@ -848,8 +853,8 @@
         </p:nvSpPr>
         <p:spPr>
           <a:xfrm>
-            <a:off x="515791" y="2782285"/>
-            <a:ext cx="6520220" cy="4642301"/>
+            <a:off x="515791" y="1884671"/>
+            <a:ext cx="6520220" cy="3144614"/>
           </a:xfrm>
         </p:spPr>
         <p:txBody>
@@ -880,8 +885,8 @@
         </p:nvSpPr>
         <p:spPr>
           <a:xfrm>
-            <a:off x="515791" y="7468503"/>
-            <a:ext cx="6520220" cy="2441277"/>
+            <a:off x="515791" y="5059035"/>
+            <a:ext cx="6520220" cy="1653678"/>
           </a:xfrm>
         </p:spPr>
         <p:txBody>
@@ -1002,7 +1007,7 @@
           <a:p>
             <a:fld id="{5771F580-0499-3B4B-87CF-4B8A4B8895CC}" type="datetimeFigureOut">
               <a:rPr lang="de-DE" smtClean="0"/>
-              <a:t>13.10.18</a:t>
+              <a:t>13.11.18</a:t>
             </a:fld>
             <a:endParaRPr lang="de-DE"/>
           </a:p>
@@ -1053,7 +1058,7 @@
     </p:spTree>
     <p:extLst>
       <p:ext uri="{BB962C8B-B14F-4D97-AF65-F5344CB8AC3E}">
-        <p14:creationId xmlns:p14="http://schemas.microsoft.com/office/powerpoint/2010/main" val="3942710543"/>
+        <p14:creationId xmlns:p14="http://schemas.microsoft.com/office/powerpoint/2010/main" val="2652024468"/>
       </p:ext>
     </p:extLst>
   </p:cSld>
@@ -1115,8 +1120,8 @@
         </p:nvSpPr>
         <p:spPr>
           <a:xfrm>
-            <a:off x="519728" y="2970867"/>
-            <a:ext cx="3212862" cy="7080997"/>
+            <a:off x="519728" y="2012414"/>
+            <a:ext cx="3212862" cy="4796544"/>
           </a:xfrm>
         </p:spPr>
         <p:txBody>
@@ -1172,8 +1177,8 @@
         </p:nvSpPr>
         <p:spPr>
           <a:xfrm>
-            <a:off x="3827085" y="2970867"/>
-            <a:ext cx="3212862" cy="7080997"/>
+            <a:off x="3827085" y="2012414"/>
+            <a:ext cx="3212862" cy="4796544"/>
           </a:xfrm>
         </p:spPr>
         <p:txBody>
@@ -1234,7 +1239,7 @@
           <a:p>
             <a:fld id="{5771F580-0499-3B4B-87CF-4B8A4B8895CC}" type="datetimeFigureOut">
               <a:rPr lang="de-DE" smtClean="0"/>
-              <a:t>13.10.18</a:t>
+              <a:t>13.11.18</a:t>
             </a:fld>
             <a:endParaRPr lang="de-DE"/>
           </a:p>
@@ -1285,7 +1290,7 @@
     </p:spTree>
     <p:extLst>
       <p:ext uri="{BB962C8B-B14F-4D97-AF65-F5344CB8AC3E}">
-        <p14:creationId xmlns:p14="http://schemas.microsoft.com/office/powerpoint/2010/main" val="2159437796"/>
+        <p14:creationId xmlns:p14="http://schemas.microsoft.com/office/powerpoint/2010/main" val="2088237941"/>
       </p:ext>
     </p:extLst>
   </p:cSld>
@@ -1324,8 +1329,8 @@
         </p:nvSpPr>
         <p:spPr>
           <a:xfrm>
-            <a:off x="520712" y="594176"/>
-            <a:ext cx="6520220" cy="2157108"/>
+            <a:off x="520712" y="402484"/>
+            <a:ext cx="6520220" cy="1461188"/>
           </a:xfrm>
         </p:spPr>
         <p:txBody>
@@ -1352,8 +1357,8 @@
         </p:nvSpPr>
         <p:spPr>
           <a:xfrm>
-            <a:off x="520713" y="2735782"/>
-            <a:ext cx="3198096" cy="1340764"/>
+            <a:off x="520713" y="1853171"/>
+            <a:ext cx="3198096" cy="908210"/>
           </a:xfrm>
         </p:spPr>
         <p:txBody>
@@ -1417,8 +1422,8 @@
         </p:nvSpPr>
         <p:spPr>
           <a:xfrm>
-            <a:off x="520713" y="4076545"/>
-            <a:ext cx="3198096" cy="5995985"/>
+            <a:off x="520713" y="2761381"/>
+            <a:ext cx="3198096" cy="4061576"/>
           </a:xfrm>
         </p:spPr>
         <p:txBody>
@@ -1474,8 +1479,8 @@
         </p:nvSpPr>
         <p:spPr>
           <a:xfrm>
-            <a:off x="3827086" y="2735782"/>
-            <a:ext cx="3213847" cy="1340764"/>
+            <a:off x="3827086" y="1853171"/>
+            <a:ext cx="3213847" cy="908210"/>
           </a:xfrm>
         </p:spPr>
         <p:txBody>
@@ -1539,8 +1544,8 @@
         </p:nvSpPr>
         <p:spPr>
           <a:xfrm>
-            <a:off x="3827086" y="4076545"/>
-            <a:ext cx="3213847" cy="5995985"/>
+            <a:off x="3827086" y="2761381"/>
+            <a:ext cx="3213847" cy="4061576"/>
           </a:xfrm>
         </p:spPr>
         <p:txBody>
@@ -1601,7 +1606,7 @@
           <a:p>
             <a:fld id="{5771F580-0499-3B4B-87CF-4B8A4B8895CC}" type="datetimeFigureOut">
               <a:rPr lang="de-DE" smtClean="0"/>
-              <a:t>13.10.18</a:t>
+              <a:t>13.11.18</a:t>
             </a:fld>
             <a:endParaRPr lang="de-DE"/>
           </a:p>
@@ -1652,7 +1657,7 @@
     </p:spTree>
     <p:extLst>
       <p:ext uri="{BB962C8B-B14F-4D97-AF65-F5344CB8AC3E}">
-        <p14:creationId xmlns:p14="http://schemas.microsoft.com/office/powerpoint/2010/main" val="2822526166"/>
+        <p14:creationId xmlns:p14="http://schemas.microsoft.com/office/powerpoint/2010/main" val="2235824042"/>
       </p:ext>
     </p:extLst>
   </p:cSld>
@@ -1719,7 +1724,7 @@
           <a:p>
             <a:fld id="{5771F580-0499-3B4B-87CF-4B8A4B8895CC}" type="datetimeFigureOut">
               <a:rPr lang="de-DE" smtClean="0"/>
-              <a:t>13.10.18</a:t>
+              <a:t>13.11.18</a:t>
             </a:fld>
             <a:endParaRPr lang="de-DE"/>
           </a:p>
@@ -1770,7 +1775,7 @@
     </p:spTree>
     <p:extLst>
       <p:ext uri="{BB962C8B-B14F-4D97-AF65-F5344CB8AC3E}">
-        <p14:creationId xmlns:p14="http://schemas.microsoft.com/office/powerpoint/2010/main" val="3098329278"/>
+        <p14:creationId xmlns:p14="http://schemas.microsoft.com/office/powerpoint/2010/main" val="1008457831"/>
       </p:ext>
     </p:extLst>
   </p:cSld>
@@ -1814,7 +1819,7 @@
           <a:p>
             <a:fld id="{5771F580-0499-3B4B-87CF-4B8A4B8895CC}" type="datetimeFigureOut">
               <a:rPr lang="de-DE" smtClean="0"/>
-              <a:t>13.10.18</a:t>
+              <a:t>13.11.18</a:t>
             </a:fld>
             <a:endParaRPr lang="de-DE"/>
           </a:p>
@@ -1865,7 +1870,7 @@
     </p:spTree>
     <p:extLst>
       <p:ext uri="{BB962C8B-B14F-4D97-AF65-F5344CB8AC3E}">
-        <p14:creationId xmlns:p14="http://schemas.microsoft.com/office/powerpoint/2010/main" val="2581928045"/>
+        <p14:creationId xmlns:p14="http://schemas.microsoft.com/office/powerpoint/2010/main" val="3251867054"/>
       </p:ext>
     </p:extLst>
   </p:cSld>
@@ -1904,8 +1909,8 @@
         </p:nvSpPr>
         <p:spPr>
           <a:xfrm>
-            <a:off x="520712" y="744008"/>
-            <a:ext cx="2438192" cy="2604029"/>
+            <a:off x="520712" y="503978"/>
+            <a:ext cx="2438192" cy="1763924"/>
           </a:xfrm>
         </p:spPr>
         <p:txBody>
@@ -1936,8 +1941,8 @@
         </p:nvSpPr>
         <p:spPr>
           <a:xfrm>
-            <a:off x="3213847" y="1606854"/>
-            <a:ext cx="3827085" cy="7930922"/>
+            <a:off x="3213847" y="1088455"/>
+            <a:ext cx="3827085" cy="5372269"/>
           </a:xfrm>
         </p:spPr>
         <p:txBody>
@@ -2021,8 +2026,8 @@
         </p:nvSpPr>
         <p:spPr>
           <a:xfrm>
-            <a:off x="520712" y="3348037"/>
-            <a:ext cx="2438192" cy="6202654"/>
+            <a:off x="520712" y="2267902"/>
+            <a:ext cx="2438192" cy="4201570"/>
           </a:xfrm>
         </p:spPr>
         <p:txBody>
@@ -2091,7 +2096,7 @@
           <a:p>
             <a:fld id="{5771F580-0499-3B4B-87CF-4B8A4B8895CC}" type="datetimeFigureOut">
               <a:rPr lang="de-DE" smtClean="0"/>
-              <a:t>13.10.18</a:t>
+              <a:t>13.11.18</a:t>
             </a:fld>
             <a:endParaRPr lang="de-DE"/>
           </a:p>
@@ -2142,7 +2147,7 @@
     </p:spTree>
     <p:extLst>
       <p:ext uri="{BB962C8B-B14F-4D97-AF65-F5344CB8AC3E}">
-        <p14:creationId xmlns:p14="http://schemas.microsoft.com/office/powerpoint/2010/main" val="1484512108"/>
+        <p14:creationId xmlns:p14="http://schemas.microsoft.com/office/powerpoint/2010/main" val="641040710"/>
       </p:ext>
     </p:extLst>
   </p:cSld>
@@ -2181,8 +2186,8 @@
         </p:nvSpPr>
         <p:spPr>
           <a:xfrm>
-            <a:off x="520712" y="744008"/>
-            <a:ext cx="2438192" cy="2604029"/>
+            <a:off x="520712" y="503978"/>
+            <a:ext cx="2438192" cy="1763924"/>
           </a:xfrm>
         </p:spPr>
         <p:txBody>
@@ -2213,8 +2218,8 @@
         </p:nvSpPr>
         <p:spPr>
           <a:xfrm>
-            <a:off x="3213847" y="1606854"/>
-            <a:ext cx="3827085" cy="7930922"/>
+            <a:off x="3213847" y="1088455"/>
+            <a:ext cx="3827085" cy="5372269"/>
           </a:xfrm>
         </p:spPr>
         <p:txBody>
@@ -2278,8 +2283,8 @@
         </p:nvSpPr>
         <p:spPr>
           <a:xfrm>
-            <a:off x="520712" y="3348037"/>
-            <a:ext cx="2438192" cy="6202654"/>
+            <a:off x="520712" y="2267902"/>
+            <a:ext cx="2438192" cy="4201570"/>
           </a:xfrm>
         </p:spPr>
         <p:txBody>
@@ -2348,7 +2353,7 @@
           <a:p>
             <a:fld id="{5771F580-0499-3B4B-87CF-4B8A4B8895CC}" type="datetimeFigureOut">
               <a:rPr lang="de-DE" smtClean="0"/>
-              <a:t>13.10.18</a:t>
+              <a:t>13.11.18</a:t>
             </a:fld>
             <a:endParaRPr lang="de-DE"/>
           </a:p>
@@ -2399,7 +2404,7 @@
     </p:spTree>
     <p:extLst>
       <p:ext uri="{BB962C8B-B14F-4D97-AF65-F5344CB8AC3E}">
-        <p14:creationId xmlns:p14="http://schemas.microsoft.com/office/powerpoint/2010/main" val="1689878785"/>
+        <p14:creationId xmlns:p14="http://schemas.microsoft.com/office/powerpoint/2010/main" val="546136700"/>
       </p:ext>
     </p:extLst>
   </p:cSld>
@@ -2443,8 +2448,8 @@
         </p:nvSpPr>
         <p:spPr>
           <a:xfrm>
-            <a:off x="519728" y="594176"/>
-            <a:ext cx="6520220" cy="2157108"/>
+            <a:off x="519728" y="402484"/>
+            <a:ext cx="6520220" cy="1461188"/>
           </a:xfrm>
           <a:prstGeom prst="rect">
             <a:avLst/>
@@ -2476,8 +2481,8 @@
         </p:nvSpPr>
         <p:spPr>
           <a:xfrm>
-            <a:off x="519728" y="2970867"/>
-            <a:ext cx="6520220" cy="7080997"/>
+            <a:off x="519728" y="2012414"/>
+            <a:ext cx="6520220" cy="4796544"/>
           </a:xfrm>
           <a:prstGeom prst="rect">
             <a:avLst/>
@@ -2538,8 +2543,8 @@
         </p:nvSpPr>
         <p:spPr>
           <a:xfrm>
-            <a:off x="519728" y="10343785"/>
-            <a:ext cx="1700927" cy="594173"/>
+            <a:off x="519728" y="7006700"/>
+            <a:ext cx="1700927" cy="402483"/>
           </a:xfrm>
           <a:prstGeom prst="rect">
             <a:avLst/>
@@ -2561,7 +2566,7 @@
           <a:p>
             <a:fld id="{5771F580-0499-3B4B-87CF-4B8A4B8895CC}" type="datetimeFigureOut">
               <a:rPr lang="de-DE" smtClean="0"/>
-              <a:t>13.10.18</a:t>
+              <a:t>13.11.18</a:t>
             </a:fld>
             <a:endParaRPr lang="de-DE"/>
           </a:p>
@@ -2579,8 +2584,8 @@
         </p:nvSpPr>
         <p:spPr>
           <a:xfrm>
-            <a:off x="2504143" y="10343785"/>
-            <a:ext cx="2551390" cy="594173"/>
+            <a:off x="2504143" y="7006700"/>
+            <a:ext cx="2551390" cy="402483"/>
           </a:xfrm>
           <a:prstGeom prst="rect">
             <a:avLst/>
@@ -2616,8 +2621,8 @@
         </p:nvSpPr>
         <p:spPr>
           <a:xfrm>
-            <a:off x="5339020" y="10343785"/>
-            <a:ext cx="1700927" cy="594173"/>
+            <a:off x="5339020" y="7006700"/>
+            <a:ext cx="1700927" cy="402483"/>
           </a:xfrm>
           <a:prstGeom prst="rect">
             <a:avLst/>
@@ -2648,23 +2653,23 @@
     </p:spTree>
     <p:extLst>
       <p:ext uri="{BB962C8B-B14F-4D97-AF65-F5344CB8AC3E}">
-        <p14:creationId xmlns:p14="http://schemas.microsoft.com/office/powerpoint/2010/main" val="3478377151"/>
+        <p14:creationId xmlns:p14="http://schemas.microsoft.com/office/powerpoint/2010/main" val="2441716927"/>
       </p:ext>
     </p:extLst>
   </p:cSld>
   <p:clrMap bg1="lt1" tx1="dk1" bg2="lt2" tx2="dk2" accent1="accent1" accent2="accent2" accent3="accent3" accent4="accent4" accent5="accent5" accent6="accent6" hlink="hlink" folHlink="folHlink"/>
   <p:sldLayoutIdLst>
-    <p:sldLayoutId id="2147483697" r:id="rId1"/>
-    <p:sldLayoutId id="2147483698" r:id="rId2"/>
-    <p:sldLayoutId id="2147483699" r:id="rId3"/>
-    <p:sldLayoutId id="2147483700" r:id="rId4"/>
-    <p:sldLayoutId id="2147483701" r:id="rId5"/>
-    <p:sldLayoutId id="2147483702" r:id="rId6"/>
-    <p:sldLayoutId id="2147483703" r:id="rId7"/>
-    <p:sldLayoutId id="2147483704" r:id="rId8"/>
-    <p:sldLayoutId id="2147483705" r:id="rId9"/>
-    <p:sldLayoutId id="2147483706" r:id="rId10"/>
-    <p:sldLayoutId id="2147483707" r:id="rId11"/>
+    <p:sldLayoutId id="2147483733" r:id="rId1"/>
+    <p:sldLayoutId id="2147483734" r:id="rId2"/>
+    <p:sldLayoutId id="2147483735" r:id="rId3"/>
+    <p:sldLayoutId id="2147483736" r:id="rId4"/>
+    <p:sldLayoutId id="2147483737" r:id="rId5"/>
+    <p:sldLayoutId id="2147483738" r:id="rId6"/>
+    <p:sldLayoutId id="2147483739" r:id="rId7"/>
+    <p:sldLayoutId id="2147483740" r:id="rId8"/>
+    <p:sldLayoutId id="2147483741" r:id="rId9"/>
+    <p:sldLayoutId id="2147483742" r:id="rId10"/>
+    <p:sldLayoutId id="2147483743" r:id="rId11"/>
   </p:sldLayoutIdLst>
   <p:txStyles>
     <p:titleStyle>
@@ -2968,10 +2973,10 @@
       </p:grpSpPr>
       <p:pic>
         <p:nvPicPr>
-          <p:cNvPr id="54" name="Picture 53">
+          <p:cNvPr id="11" name="Picture 10">
             <a:extLst>
               <a:ext uri="{FF2B5EF4-FFF2-40B4-BE49-F238E27FC236}">
-                <a16:creationId xmlns:a16="http://schemas.microsoft.com/office/drawing/2014/main" id="{5135BAA2-B941-AA48-8B08-6090302CCA6D}"/>
+                <a16:creationId xmlns:a16="http://schemas.microsoft.com/office/drawing/2014/main" id="{64A3ED80-E246-D84F-8000-A1E6E63E7022}"/>
               </a:ext>
             </a:extLst>
           </p:cNvPr>
@@ -2981,15 +2986,21 @@
           <p:nvPr/>
         </p:nvPicPr>
         <p:blipFill>
-          <a:blip r:embed="rId2"/>
+          <a:blip r:embed="rId2">
+            <a:extLst>
+              <a:ext uri="{28A0092B-C50C-407E-A947-70E740481C1C}">
+                <a14:useLocalDpi xmlns:a14="http://schemas.microsoft.com/office/drawing/2010/main" val="0"/>
+              </a:ext>
+            </a:extLst>
+          </a:blip>
           <a:stretch>
             <a:fillRect/>
           </a:stretch>
         </p:blipFill>
         <p:spPr>
           <a:xfrm>
-            <a:off x="324983" y="30385"/>
-            <a:ext cx="3323907" cy="1538846"/>
+            <a:off x="389461" y="5612423"/>
+            <a:ext cx="7170213" cy="1919644"/>
           </a:xfrm>
           <a:prstGeom prst="rect">
             <a:avLst/>
@@ -2998,10 +3009,10 @@
       </p:pic>
       <p:pic>
         <p:nvPicPr>
-          <p:cNvPr id="55" name="Picture 54">
+          <p:cNvPr id="84" name="Picture 83">
             <a:extLst>
               <a:ext uri="{FF2B5EF4-FFF2-40B4-BE49-F238E27FC236}">
-                <a16:creationId xmlns:a16="http://schemas.microsoft.com/office/drawing/2014/main" id="{A6267C54-2789-9848-8373-B7396AAFBF84}"/>
+                <a16:creationId xmlns:a16="http://schemas.microsoft.com/office/drawing/2014/main" id="{D9A4E9E8-A693-E54F-8CA9-FA629EBF85D1}"/>
               </a:ext>
             </a:extLst>
           </p:cNvPr>
@@ -3011,27 +3022,138 @@
           <p:nvPr/>
         </p:nvPicPr>
         <p:blipFill>
-          <a:blip r:embed="rId3"/>
+          <a:blip r:embed="rId3">
+            <a:extLst>
+              <a:ext uri="{28A0092B-C50C-407E-A947-70E740481C1C}">
+                <a14:useLocalDpi xmlns:a14="http://schemas.microsoft.com/office/drawing/2010/main" val="0"/>
+              </a:ext>
+            </a:extLst>
+          </a:blip>
           <a:stretch>
             <a:fillRect/>
           </a:stretch>
         </p:blipFill>
         <p:spPr>
           <a:xfrm>
-            <a:off x="3665824" y="40984"/>
-            <a:ext cx="2118814" cy="1526707"/>
+            <a:off x="389462" y="3745802"/>
+            <a:ext cx="7170213" cy="1919644"/>
           </a:xfrm>
           <a:prstGeom prst="rect">
             <a:avLst/>
           </a:prstGeom>
         </p:spPr>
       </p:pic>
+      <p:sp>
+        <p:nvSpPr>
+          <p:cNvPr id="85" name="TextBox 84">
+            <a:extLst>
+              <a:ext uri="{FF2B5EF4-FFF2-40B4-BE49-F238E27FC236}">
+                <a16:creationId xmlns:a16="http://schemas.microsoft.com/office/drawing/2014/main" id="{20705A1A-8224-D34D-855E-4AD05DB672AD}"/>
+              </a:ext>
+            </a:extLst>
+          </p:cNvPr>
+          <p:cNvSpPr txBox="1"/>
+          <p:nvPr/>
+        </p:nvSpPr>
+        <p:spPr>
+          <a:xfrm rot="16200000">
+            <a:off x="-37417" y="534699"/>
+            <a:ext cx="484428" cy="369332"/>
+          </a:xfrm>
+          <a:prstGeom prst="rect">
+            <a:avLst/>
+          </a:prstGeom>
+          <a:noFill/>
+        </p:spPr>
+        <p:txBody>
+          <a:bodyPr wrap="none" rtlCol="0">
+            <a:spAutoFit/>
+          </a:bodyPr>
+          <a:lstStyle/>
+          <a:p>
+            <a:r>
+              <a:rPr lang="de-DE" b="1" dirty="0"/>
+              <a:t>ML</a:t>
+            </a:r>
+          </a:p>
+        </p:txBody>
+      </p:sp>
+      <p:sp>
+        <p:nvSpPr>
+          <p:cNvPr id="86" name="TextBox 85">
+            <a:extLst>
+              <a:ext uri="{FF2B5EF4-FFF2-40B4-BE49-F238E27FC236}">
+                <a16:creationId xmlns:a16="http://schemas.microsoft.com/office/drawing/2014/main" id="{FDAEB3C7-A968-8041-A7DE-500E747F4E35}"/>
+              </a:ext>
+            </a:extLst>
+          </p:cNvPr>
+          <p:cNvSpPr txBox="1"/>
+          <p:nvPr/>
+        </p:nvSpPr>
+        <p:spPr>
+          <a:xfrm rot="16200000">
+            <a:off x="254" y="2035874"/>
+            <a:ext cx="409086" cy="369332"/>
+          </a:xfrm>
+          <a:prstGeom prst="rect">
+            <a:avLst/>
+          </a:prstGeom>
+          <a:noFill/>
+        </p:spPr>
+        <p:txBody>
+          <a:bodyPr wrap="none" rtlCol="0">
+            <a:spAutoFit/>
+          </a:bodyPr>
+          <a:lstStyle/>
+          <a:p>
+            <a:r>
+              <a:rPr lang="de-DE" b="1" dirty="0"/>
+              <a:t>KL</a:t>
+            </a:r>
+          </a:p>
+        </p:txBody>
+      </p:sp>
+      <p:sp>
+        <p:nvSpPr>
+          <p:cNvPr id="87" name="TextBox 86">
+            <a:extLst>
+              <a:ext uri="{FF2B5EF4-FFF2-40B4-BE49-F238E27FC236}">
+                <a16:creationId xmlns:a16="http://schemas.microsoft.com/office/drawing/2014/main" id="{3A9E62B9-25F8-8544-AF01-A54967B78412}"/>
+              </a:ext>
+            </a:extLst>
+          </p:cNvPr>
+          <p:cNvSpPr txBox="1"/>
+          <p:nvPr/>
+        </p:nvSpPr>
+        <p:spPr>
+          <a:xfrm rot="16200000">
+            <a:off x="-182457" y="6059099"/>
+            <a:ext cx="774507" cy="369332"/>
+          </a:xfrm>
+          <a:prstGeom prst="rect">
+            <a:avLst/>
+          </a:prstGeom>
+          <a:noFill/>
+        </p:spPr>
+        <p:txBody>
+          <a:bodyPr wrap="none" rtlCol="0">
+            <a:spAutoFit/>
+          </a:bodyPr>
+          <a:lstStyle/>
+          <a:p>
+            <a:r>
+              <a:rPr lang="de-DE" b="1" dirty="0"/>
+              <a:t>KL+RC</a:t>
+            </a:r>
+          </a:p>
+        </p:txBody>
+      </p:sp>
       <p:pic>
         <p:nvPicPr>
-          <p:cNvPr id="56" name="Picture 55">
+          <p:cNvPr id="88" name="Picture 87">
             <a:extLst>
               <a:ext uri="{FF2B5EF4-FFF2-40B4-BE49-F238E27FC236}">
-                <a16:creationId xmlns:a16="http://schemas.microsoft.com/office/drawing/2014/main" id="{4F0ADBC6-A8F5-F64B-8EFD-B16EAAA9412D}"/>
+                <a16:creationId xmlns:a16="http://schemas.microsoft.com/office/drawing/2014/main" id="{F05CC656-68B9-EB47-B4C4-84C2524D0404}"/>
               </a:ext>
             </a:extLst>
           </p:cNvPr>
@@ -3041,97 +3163,33 @@
           <p:nvPr/>
         </p:nvPicPr>
         <p:blipFill>
-          <a:blip r:embed="rId4"/>
+          <a:blip r:embed="rId4">
+            <a:extLst>
+              <a:ext uri="{28A0092B-C50C-407E-A947-70E740481C1C}">
+                <a14:useLocalDpi xmlns:a14="http://schemas.microsoft.com/office/drawing/2010/main" val="0"/>
+              </a:ext>
+            </a:extLst>
+          </a:blip>
           <a:stretch>
             <a:fillRect/>
           </a:stretch>
         </p:blipFill>
         <p:spPr>
           <a:xfrm>
-            <a:off x="5767705" y="45778"/>
-            <a:ext cx="1695051" cy="1532512"/>
+            <a:off x="389463" y="1881214"/>
+            <a:ext cx="7170212" cy="1919644"/>
           </a:xfrm>
           <a:prstGeom prst="rect">
             <a:avLst/>
           </a:prstGeom>
         </p:spPr>
       </p:pic>
-      <p:sp>
-        <p:nvSpPr>
-          <p:cNvPr id="57" name="TextBox 56">
+      <p:pic>
+        <p:nvPicPr>
+          <p:cNvPr id="89" name="Picture 88">
             <a:extLst>
               <a:ext uri="{FF2B5EF4-FFF2-40B4-BE49-F238E27FC236}">
-                <a16:creationId xmlns:a16="http://schemas.microsoft.com/office/drawing/2014/main" id="{B3B3E3CB-CE29-274A-BA28-D01BAE5FF919}"/>
-              </a:ext>
-            </a:extLst>
-          </p:cNvPr>
-          <p:cNvSpPr txBox="1"/>
-          <p:nvPr/>
-        </p:nvSpPr>
-        <p:spPr>
-          <a:xfrm rot="16200000">
-            <a:off x="-37417" y="518073"/>
-            <a:ext cx="484428" cy="369332"/>
-          </a:xfrm>
-          <a:prstGeom prst="rect">
-            <a:avLst/>
-          </a:prstGeom>
-          <a:noFill/>
-        </p:spPr>
-        <p:txBody>
-          <a:bodyPr wrap="none" rtlCol="0">
-            <a:spAutoFit/>
-          </a:bodyPr>
-          <a:lstStyle/>
-          <a:p>
-            <a:r>
-              <a:rPr lang="de-DE" b="1" dirty="0"/>
-              <a:t>ML</a:t>
-            </a:r>
-          </a:p>
-        </p:txBody>
-      </p:sp>
-      <p:sp>
-        <p:nvSpPr>
-          <p:cNvPr id="58" name="TextBox 57">
-            <a:extLst>
-              <a:ext uri="{FF2B5EF4-FFF2-40B4-BE49-F238E27FC236}">
-                <a16:creationId xmlns:a16="http://schemas.microsoft.com/office/drawing/2014/main" id="{7001FAA2-6C3F-E04B-A99C-84619C5458E1}"/>
-              </a:ext>
-            </a:extLst>
-          </p:cNvPr>
-          <p:cNvSpPr txBox="1"/>
-          <p:nvPr/>
-        </p:nvSpPr>
-        <p:spPr>
-          <a:xfrm rot="16200000">
-            <a:off x="254" y="2019248"/>
-            <a:ext cx="409086" cy="369332"/>
-          </a:xfrm>
-          <a:prstGeom prst="rect">
-            <a:avLst/>
-          </a:prstGeom>
-          <a:noFill/>
-        </p:spPr>
-        <p:txBody>
-          <a:bodyPr wrap="none" rtlCol="0">
-            <a:spAutoFit/>
-          </a:bodyPr>
-          <a:lstStyle/>
-          <a:p>
-            <a:r>
-              <a:rPr lang="de-DE" b="1" dirty="0"/>
-              <a:t>KL</a:t>
-            </a:r>
-          </a:p>
-        </p:txBody>
-      </p:sp>
-      <p:pic>
-        <p:nvPicPr>
-          <p:cNvPr id="59" name="Picture 58">
-            <a:extLst>
-              <a:ext uri="{FF2B5EF4-FFF2-40B4-BE49-F238E27FC236}">
-                <a16:creationId xmlns:a16="http://schemas.microsoft.com/office/drawing/2014/main" id="{A221259E-C154-4A4E-9236-ACEA93C04308}"/>
+                <a16:creationId xmlns:a16="http://schemas.microsoft.com/office/drawing/2014/main" id="{A213DF4A-EB68-C947-9886-52BA491328E6}"/>
               </a:ext>
             </a:extLst>
           </p:cNvPr>
@@ -3141,87 +3199,33 @@
           <p:nvPr/>
         </p:nvPicPr>
         <p:blipFill>
-          <a:blip r:embed="rId5"/>
+          <a:blip r:embed="rId5">
+            <a:extLst>
+              <a:ext uri="{28A0092B-C50C-407E-A947-70E740481C1C}">
+                <a14:useLocalDpi xmlns:a14="http://schemas.microsoft.com/office/drawing/2010/main" val="0"/>
+              </a:ext>
+            </a:extLst>
+          </a:blip>
           <a:stretch>
             <a:fillRect/>
           </a:stretch>
         </p:blipFill>
         <p:spPr>
           <a:xfrm>
-            <a:off x="321731" y="1603365"/>
-            <a:ext cx="3353538" cy="1518062"/>
+            <a:off x="389462" y="16626"/>
+            <a:ext cx="7170212" cy="1919644"/>
           </a:xfrm>
           <a:prstGeom prst="rect">
             <a:avLst/>
           </a:prstGeom>
         </p:spPr>
       </p:pic>
-      <p:pic>
-        <p:nvPicPr>
-          <p:cNvPr id="60" name="Picture 59">
+      <p:sp>
+        <p:nvSpPr>
+          <p:cNvPr id="90" name="TextBox 89">
             <a:extLst>
               <a:ext uri="{FF2B5EF4-FFF2-40B4-BE49-F238E27FC236}">
-                <a16:creationId xmlns:a16="http://schemas.microsoft.com/office/drawing/2014/main" id="{1B4937E2-7AAD-894F-BF6A-20EAE77E4256}"/>
-              </a:ext>
-            </a:extLst>
-          </p:cNvPr>
-          <p:cNvPicPr>
-            <a:picLocks noChangeAspect="1"/>
-          </p:cNvPicPr>
-          <p:nvPr/>
-        </p:nvPicPr>
-        <p:blipFill>
-          <a:blip r:embed="rId6"/>
-          <a:stretch>
-            <a:fillRect/>
-          </a:stretch>
-        </p:blipFill>
-        <p:spPr>
-          <a:xfrm>
-            <a:off x="3648889" y="1584625"/>
-            <a:ext cx="2138277" cy="1551880"/>
-          </a:xfrm>
-          <a:prstGeom prst="rect">
-            <a:avLst/>
-          </a:prstGeom>
-        </p:spPr>
-      </p:pic>
-      <p:pic>
-        <p:nvPicPr>
-          <p:cNvPr id="61" name="Picture 60">
-            <a:extLst>
-              <a:ext uri="{FF2B5EF4-FFF2-40B4-BE49-F238E27FC236}">
-                <a16:creationId xmlns:a16="http://schemas.microsoft.com/office/drawing/2014/main" id="{905233C0-8F7F-2A46-9AE8-BF667B2F895D}"/>
-              </a:ext>
-            </a:extLst>
-          </p:cNvPr>
-          <p:cNvPicPr>
-            <a:picLocks noChangeAspect="1"/>
-          </p:cNvPicPr>
-          <p:nvPr/>
-        </p:nvPicPr>
-        <p:blipFill>
-          <a:blip r:embed="rId7"/>
-          <a:stretch>
-            <a:fillRect/>
-          </a:stretch>
-        </p:blipFill>
-        <p:spPr>
-          <a:xfrm>
-            <a:off x="5784555" y="1581886"/>
-            <a:ext cx="1678201" cy="1519769"/>
-          </a:xfrm>
-          <a:prstGeom prst="rect">
-            <a:avLst/>
-          </a:prstGeom>
-        </p:spPr>
-      </p:pic>
-      <p:sp>
-        <p:nvSpPr>
-          <p:cNvPr id="62" name="TextBox 61">
-            <a:extLst>
-              <a:ext uri="{FF2B5EF4-FFF2-40B4-BE49-F238E27FC236}">
-                <a16:creationId xmlns:a16="http://schemas.microsoft.com/office/drawing/2014/main" id="{77E97E81-EC1F-6C4B-A957-68B585A2EF8A}"/>
+                <a16:creationId xmlns:a16="http://schemas.microsoft.com/office/drawing/2014/main" id="{DFD2863C-DA0E-4048-B9A8-09652550BE82}"/>
               </a:ext>
             </a:extLst>
           </p:cNvPr>
@@ -3230,8 +3234,8 @@
         </p:nvSpPr>
         <p:spPr>
           <a:xfrm rot="16200000">
-            <a:off x="-206568" y="3597846"/>
-            <a:ext cx="824265" cy="369332"/>
+            <a:off x="-226090" y="4331158"/>
+            <a:ext cx="877163" cy="369332"/>
           </a:xfrm>
           <a:prstGeom prst="rect">
             <a:avLst/>
@@ -3246,603 +3250,11 @@
           <a:p>
             <a:r>
               <a:rPr lang="de-DE" b="1" dirty="0"/>
-              <a:t>ML+KL</a:t>
-            </a:r>
-          </a:p>
-        </p:txBody>
-      </p:sp>
-      <p:pic>
-        <p:nvPicPr>
-          <p:cNvPr id="63" name="Picture 62">
-            <a:extLst>
-              <a:ext uri="{FF2B5EF4-FFF2-40B4-BE49-F238E27FC236}">
-                <a16:creationId xmlns:a16="http://schemas.microsoft.com/office/drawing/2014/main" id="{BC23C8B0-BA4E-3346-9550-60FC4B11E79A}"/>
-              </a:ext>
-            </a:extLst>
-          </p:cNvPr>
-          <p:cNvPicPr>
-            <a:picLocks noChangeAspect="1"/>
-          </p:cNvPicPr>
-          <p:nvPr/>
-        </p:nvPicPr>
-        <p:blipFill>
-          <a:blip r:embed="rId8"/>
-          <a:stretch>
-            <a:fillRect/>
-          </a:stretch>
-        </p:blipFill>
-        <p:spPr>
-          <a:xfrm>
-            <a:off x="321731" y="3154863"/>
-            <a:ext cx="3328974" cy="1517520"/>
-          </a:xfrm>
-          <a:prstGeom prst="rect">
-            <a:avLst/>
-          </a:prstGeom>
-        </p:spPr>
-      </p:pic>
-      <p:pic>
-        <p:nvPicPr>
-          <p:cNvPr id="64" name="Picture 63">
-            <a:extLst>
-              <a:ext uri="{FF2B5EF4-FFF2-40B4-BE49-F238E27FC236}">
-                <a16:creationId xmlns:a16="http://schemas.microsoft.com/office/drawing/2014/main" id="{3D52DEDE-7541-F342-BD94-EA5CC52FFB25}"/>
-              </a:ext>
-            </a:extLst>
-          </p:cNvPr>
-          <p:cNvPicPr>
-            <a:picLocks noChangeAspect="1"/>
-          </p:cNvPicPr>
-          <p:nvPr/>
-        </p:nvPicPr>
-        <p:blipFill>
-          <a:blip r:embed="rId9"/>
-          <a:stretch>
-            <a:fillRect/>
-          </a:stretch>
-        </p:blipFill>
-        <p:spPr>
-          <a:xfrm>
-            <a:off x="3727519" y="3161356"/>
-            <a:ext cx="2077663" cy="1511027"/>
-          </a:xfrm>
-          <a:prstGeom prst="rect">
-            <a:avLst/>
-          </a:prstGeom>
-        </p:spPr>
-      </p:pic>
-      <p:pic>
-        <p:nvPicPr>
-          <p:cNvPr id="65" name="Picture 64">
-            <a:extLst>
-              <a:ext uri="{FF2B5EF4-FFF2-40B4-BE49-F238E27FC236}">
-                <a16:creationId xmlns:a16="http://schemas.microsoft.com/office/drawing/2014/main" id="{08932E77-0008-8A45-B45D-F140013AA250}"/>
-              </a:ext>
-            </a:extLst>
-          </p:cNvPr>
-          <p:cNvPicPr>
-            <a:picLocks noChangeAspect="1"/>
-          </p:cNvPicPr>
-          <p:nvPr/>
-        </p:nvPicPr>
-        <p:blipFill>
-          <a:blip r:embed="rId10"/>
-          <a:stretch>
-            <a:fillRect/>
-          </a:stretch>
-        </p:blipFill>
-        <p:spPr>
-          <a:xfrm>
-            <a:off x="5784555" y="3171967"/>
-            <a:ext cx="1636946" cy="1476686"/>
-          </a:xfrm>
-          <a:prstGeom prst="rect">
-            <a:avLst/>
-          </a:prstGeom>
-        </p:spPr>
-      </p:pic>
-      <p:sp>
-        <p:nvSpPr>
-          <p:cNvPr id="66" name="TextBox 65">
-            <a:extLst>
-              <a:ext uri="{FF2B5EF4-FFF2-40B4-BE49-F238E27FC236}">
-                <a16:creationId xmlns:a16="http://schemas.microsoft.com/office/drawing/2014/main" id="{1AB52A6E-D9E8-754C-BCDB-5A027253445D}"/>
-              </a:ext>
-            </a:extLst>
-          </p:cNvPr>
-          <p:cNvSpPr txBox="1"/>
-          <p:nvPr/>
-        </p:nvSpPr>
-        <p:spPr>
-          <a:xfrm rot="16200000">
-            <a:off x="-248534" y="5119551"/>
-            <a:ext cx="922047" cy="369332"/>
-          </a:xfrm>
-          <a:prstGeom prst="rect">
-            <a:avLst/>
-          </a:prstGeom>
-          <a:noFill/>
-        </p:spPr>
-        <p:txBody>
-          <a:bodyPr wrap="none" rtlCol="0">
-            <a:spAutoFit/>
-          </a:bodyPr>
-          <a:lstStyle/>
-          <a:p>
-            <a:r>
-              <a:rPr lang="de-DE" b="1" dirty="0" err="1"/>
-              <a:t>KL+Expl</a:t>
-            </a:r>
-            <a:endParaRPr lang="de-DE" b="1" dirty="0"/>
-          </a:p>
-        </p:txBody>
-      </p:sp>
-      <p:pic>
-        <p:nvPicPr>
-          <p:cNvPr id="67" name="Picture 66">
-            <a:extLst>
-              <a:ext uri="{FF2B5EF4-FFF2-40B4-BE49-F238E27FC236}">
-                <a16:creationId xmlns:a16="http://schemas.microsoft.com/office/drawing/2014/main" id="{EF9699FC-0336-784A-B713-BBD452A9461E}"/>
-              </a:ext>
-            </a:extLst>
-          </p:cNvPr>
-          <p:cNvPicPr>
-            <a:picLocks noChangeAspect="1"/>
-          </p:cNvPicPr>
-          <p:nvPr/>
-        </p:nvPicPr>
-        <p:blipFill>
-          <a:blip r:embed="rId11"/>
-          <a:stretch>
-            <a:fillRect/>
-          </a:stretch>
-        </p:blipFill>
-        <p:spPr>
-          <a:xfrm>
-            <a:off x="321731" y="4758527"/>
-            <a:ext cx="3327158" cy="1514196"/>
-          </a:xfrm>
-          <a:prstGeom prst="rect">
-            <a:avLst/>
-          </a:prstGeom>
-        </p:spPr>
-      </p:pic>
-      <p:pic>
-        <p:nvPicPr>
-          <p:cNvPr id="68" name="Picture 67">
-            <a:extLst>
-              <a:ext uri="{FF2B5EF4-FFF2-40B4-BE49-F238E27FC236}">
-                <a16:creationId xmlns:a16="http://schemas.microsoft.com/office/drawing/2014/main" id="{23ED0116-20F6-AC4E-A93A-BF13A7303A80}"/>
-              </a:ext>
-            </a:extLst>
-          </p:cNvPr>
-          <p:cNvPicPr>
-            <a:picLocks noChangeAspect="1"/>
-          </p:cNvPicPr>
-          <p:nvPr/>
-        </p:nvPicPr>
-        <p:blipFill>
-          <a:blip r:embed="rId12"/>
-          <a:stretch>
-            <a:fillRect/>
-          </a:stretch>
-        </p:blipFill>
-        <p:spPr>
-          <a:xfrm>
-            <a:off x="3697297" y="4775461"/>
-            <a:ext cx="2082714" cy="1481931"/>
-          </a:xfrm>
-          <a:prstGeom prst="rect">
-            <a:avLst/>
-          </a:prstGeom>
-        </p:spPr>
-      </p:pic>
-      <p:pic>
-        <p:nvPicPr>
-          <p:cNvPr id="69" name="Picture 68">
-            <a:extLst>
-              <a:ext uri="{FF2B5EF4-FFF2-40B4-BE49-F238E27FC236}">
-                <a16:creationId xmlns:a16="http://schemas.microsoft.com/office/drawing/2014/main" id="{894E9533-5B10-8E49-9B75-D9F5FE13D82C}"/>
-              </a:ext>
-            </a:extLst>
-          </p:cNvPr>
-          <p:cNvPicPr>
-            <a:picLocks noChangeAspect="1"/>
-          </p:cNvPicPr>
-          <p:nvPr/>
-        </p:nvPicPr>
-        <p:blipFill>
-          <a:blip r:embed="rId13"/>
-          <a:stretch>
-            <a:fillRect/>
-          </a:stretch>
-        </p:blipFill>
-        <p:spPr>
-          <a:xfrm>
-            <a:off x="5774037" y="4758528"/>
-            <a:ext cx="1653583" cy="1481931"/>
-          </a:xfrm>
-          <a:prstGeom prst="rect">
-            <a:avLst/>
-          </a:prstGeom>
-        </p:spPr>
-      </p:pic>
-      <p:pic>
-        <p:nvPicPr>
-          <p:cNvPr id="70" name="Picture 69">
-            <a:extLst>
-              <a:ext uri="{FF2B5EF4-FFF2-40B4-BE49-F238E27FC236}">
-                <a16:creationId xmlns:a16="http://schemas.microsoft.com/office/drawing/2014/main" id="{F8F90D2B-57A0-D74A-B29C-E19EA73C54CB}"/>
-              </a:ext>
-            </a:extLst>
-          </p:cNvPr>
-          <p:cNvPicPr>
-            <a:picLocks noChangeAspect="1"/>
-          </p:cNvPicPr>
-          <p:nvPr/>
-        </p:nvPicPr>
-        <p:blipFill>
-          <a:blip r:embed="rId14"/>
-          <a:stretch>
-            <a:fillRect/>
-          </a:stretch>
-        </p:blipFill>
-        <p:spPr>
-          <a:xfrm>
-            <a:off x="324122" y="6306589"/>
-            <a:ext cx="3305772" cy="1514865"/>
-          </a:xfrm>
-          <a:prstGeom prst="rect">
-            <a:avLst/>
-          </a:prstGeom>
-        </p:spPr>
-      </p:pic>
-      <p:pic>
-        <p:nvPicPr>
-          <p:cNvPr id="71" name="Picture 70">
-            <a:extLst>
-              <a:ext uri="{FF2B5EF4-FFF2-40B4-BE49-F238E27FC236}">
-                <a16:creationId xmlns:a16="http://schemas.microsoft.com/office/drawing/2014/main" id="{CB22BDE5-DF46-4F43-853A-2C960117D839}"/>
-              </a:ext>
-            </a:extLst>
-          </p:cNvPr>
-          <p:cNvPicPr>
-            <a:picLocks noChangeAspect="1"/>
-          </p:cNvPicPr>
-          <p:nvPr/>
-        </p:nvPicPr>
-        <p:blipFill>
-          <a:blip r:embed="rId15"/>
-          <a:stretch>
-            <a:fillRect/>
-          </a:stretch>
-        </p:blipFill>
-        <p:spPr>
-          <a:xfrm>
-            <a:off x="3736582" y="6306589"/>
-            <a:ext cx="2004144" cy="1477917"/>
-          </a:xfrm>
-          <a:prstGeom prst="rect">
-            <a:avLst/>
-          </a:prstGeom>
-        </p:spPr>
-      </p:pic>
-      <p:pic>
-        <p:nvPicPr>
-          <p:cNvPr id="72" name="Picture 71">
-            <a:extLst>
-              <a:ext uri="{FF2B5EF4-FFF2-40B4-BE49-F238E27FC236}">
-                <a16:creationId xmlns:a16="http://schemas.microsoft.com/office/drawing/2014/main" id="{EC5C50E6-8963-9A4A-A991-138A40374CAA}"/>
-              </a:ext>
-            </a:extLst>
-          </p:cNvPr>
-          <p:cNvPicPr>
-            <a:picLocks noChangeAspect="1"/>
-          </p:cNvPicPr>
-          <p:nvPr/>
-        </p:nvPicPr>
-        <p:blipFill>
-          <a:blip r:embed="rId16"/>
-          <a:stretch>
-            <a:fillRect/>
-          </a:stretch>
-        </p:blipFill>
-        <p:spPr>
-          <a:xfrm>
-            <a:off x="5787166" y="6322459"/>
-            <a:ext cx="1601076" cy="1461122"/>
-          </a:xfrm>
-          <a:prstGeom prst="rect">
-            <a:avLst/>
-          </a:prstGeom>
-        </p:spPr>
-      </p:pic>
-      <p:sp>
-        <p:nvSpPr>
-          <p:cNvPr id="73" name="TextBox 72">
-            <a:extLst>
-              <a:ext uri="{FF2B5EF4-FFF2-40B4-BE49-F238E27FC236}">
-                <a16:creationId xmlns:a16="http://schemas.microsoft.com/office/drawing/2014/main" id="{E624B8AE-2975-1343-8D2C-22A9FF4C99B7}"/>
-              </a:ext>
-            </a:extLst>
-          </p:cNvPr>
-          <p:cNvSpPr txBox="1"/>
-          <p:nvPr/>
-        </p:nvSpPr>
-        <p:spPr>
-          <a:xfrm rot="16200000">
-            <a:off x="-469746" y="6736484"/>
-            <a:ext cx="1364476" cy="369332"/>
-          </a:xfrm>
-          <a:prstGeom prst="rect">
-            <a:avLst/>
-          </a:prstGeom>
-          <a:noFill/>
-        </p:spPr>
-        <p:txBody>
-          <a:bodyPr wrap="none" rtlCol="0">
-            <a:spAutoFit/>
-          </a:bodyPr>
-          <a:lstStyle/>
-          <a:p>
-            <a:r>
-              <a:rPr lang="de-DE" b="1" dirty="0"/>
-              <a:t>KL+W2+Expl</a:t>
-            </a:r>
-          </a:p>
-        </p:txBody>
-      </p:sp>
-      <p:pic>
-        <p:nvPicPr>
-          <p:cNvPr id="74" name="Picture 73">
-            <a:extLst>
-              <a:ext uri="{FF2B5EF4-FFF2-40B4-BE49-F238E27FC236}">
-                <a16:creationId xmlns:a16="http://schemas.microsoft.com/office/drawing/2014/main" id="{FAA7A778-BA25-CD46-AA1F-1C8BA54A26C7}"/>
-              </a:ext>
-            </a:extLst>
-          </p:cNvPr>
-          <p:cNvPicPr>
-            <a:picLocks noChangeAspect="1"/>
-          </p:cNvPicPr>
-          <p:nvPr/>
-        </p:nvPicPr>
-        <p:blipFill>
-          <a:blip r:embed="rId17"/>
-          <a:stretch>
-            <a:fillRect/>
-          </a:stretch>
-        </p:blipFill>
-        <p:spPr>
-          <a:xfrm>
-            <a:off x="214990" y="7827942"/>
-            <a:ext cx="3539633" cy="1623226"/>
-          </a:xfrm>
-          <a:prstGeom prst="rect">
-            <a:avLst/>
-          </a:prstGeom>
-        </p:spPr>
-      </p:pic>
-      <p:pic>
-        <p:nvPicPr>
-          <p:cNvPr id="75" name="Picture 74">
-            <a:extLst>
-              <a:ext uri="{FF2B5EF4-FFF2-40B4-BE49-F238E27FC236}">
-                <a16:creationId xmlns:a16="http://schemas.microsoft.com/office/drawing/2014/main" id="{88437BC2-5CEE-0246-899B-9AB079ADB38C}"/>
-              </a:ext>
-            </a:extLst>
-          </p:cNvPr>
-          <p:cNvPicPr>
-            <a:picLocks noChangeAspect="1"/>
-          </p:cNvPicPr>
-          <p:nvPr/>
-        </p:nvPicPr>
-        <p:blipFill>
-          <a:blip r:embed="rId18"/>
-          <a:stretch>
-            <a:fillRect/>
-          </a:stretch>
-        </p:blipFill>
-        <p:spPr>
-          <a:xfrm>
-            <a:off x="3682757" y="7846023"/>
-            <a:ext cx="2165190" cy="1564409"/>
-          </a:xfrm>
-          <a:prstGeom prst="rect">
-            <a:avLst/>
-          </a:prstGeom>
-        </p:spPr>
-      </p:pic>
-      <p:pic>
-        <p:nvPicPr>
-          <p:cNvPr id="76" name="Picture 75">
-            <a:extLst>
-              <a:ext uri="{FF2B5EF4-FFF2-40B4-BE49-F238E27FC236}">
-                <a16:creationId xmlns:a16="http://schemas.microsoft.com/office/drawing/2014/main" id="{B4EB295B-A1D2-D74E-9592-E5FC6D86A556}"/>
-              </a:ext>
-            </a:extLst>
-          </p:cNvPr>
-          <p:cNvPicPr>
-            <a:picLocks noChangeAspect="1"/>
-          </p:cNvPicPr>
-          <p:nvPr/>
-        </p:nvPicPr>
-        <p:blipFill>
-          <a:blip r:embed="rId19"/>
-          <a:stretch>
-            <a:fillRect/>
-          </a:stretch>
-        </p:blipFill>
-        <p:spPr>
-          <a:xfrm>
-            <a:off x="5840218" y="7854313"/>
-            <a:ext cx="1684775" cy="1521545"/>
-          </a:xfrm>
-          <a:prstGeom prst="rect">
-            <a:avLst/>
-          </a:prstGeom>
-        </p:spPr>
-      </p:pic>
-      <p:sp>
-        <p:nvSpPr>
-          <p:cNvPr id="77" name="TextBox 76">
-            <a:extLst>
-              <a:ext uri="{FF2B5EF4-FFF2-40B4-BE49-F238E27FC236}">
-                <a16:creationId xmlns:a16="http://schemas.microsoft.com/office/drawing/2014/main" id="{DFC65156-60F3-CC4E-885F-DE8C079B4F69}"/>
-              </a:ext>
-            </a:extLst>
-          </p:cNvPr>
-          <p:cNvSpPr txBox="1"/>
-          <p:nvPr/>
-        </p:nvSpPr>
-        <p:spPr>
-          <a:xfrm rot="16200000">
-            <a:off x="-456123" y="8283219"/>
-            <a:ext cx="1337226" cy="369332"/>
-          </a:xfrm>
-          <a:prstGeom prst="rect">
-            <a:avLst/>
-          </a:prstGeom>
-          <a:noFill/>
-        </p:spPr>
-        <p:txBody>
-          <a:bodyPr wrap="none" rtlCol="0">
-            <a:spAutoFit/>
-          </a:bodyPr>
-          <a:lstStyle/>
-          <a:p>
-            <a:r>
-              <a:rPr lang="de-DE" b="1" dirty="0" err="1"/>
-              <a:t>ML+KL+Expl</a:t>
-            </a:r>
-            <a:endParaRPr lang="de-DE" b="1" dirty="0"/>
-          </a:p>
-        </p:txBody>
-      </p:sp>
-      <p:pic>
-        <p:nvPicPr>
-          <p:cNvPr id="78" name="Picture 77">
-            <a:extLst>
-              <a:ext uri="{FF2B5EF4-FFF2-40B4-BE49-F238E27FC236}">
-                <a16:creationId xmlns:a16="http://schemas.microsoft.com/office/drawing/2014/main" id="{AF99A1A4-1ED8-594E-87B3-685D207BEF2A}"/>
-              </a:ext>
-            </a:extLst>
-          </p:cNvPr>
-          <p:cNvPicPr>
-            <a:picLocks noChangeAspect="1"/>
-          </p:cNvPicPr>
-          <p:nvPr/>
-        </p:nvPicPr>
-        <p:blipFill>
-          <a:blip r:embed="rId20"/>
-          <a:stretch>
-            <a:fillRect/>
-          </a:stretch>
-        </p:blipFill>
-        <p:spPr>
-          <a:xfrm>
-            <a:off x="204796" y="9494603"/>
-            <a:ext cx="3541663" cy="1644601"/>
-          </a:xfrm>
-          <a:prstGeom prst="rect">
-            <a:avLst/>
-          </a:prstGeom>
-        </p:spPr>
-      </p:pic>
-      <p:sp>
-        <p:nvSpPr>
-          <p:cNvPr id="79" name="TextBox 78">
-            <a:extLst>
-              <a:ext uri="{FF2B5EF4-FFF2-40B4-BE49-F238E27FC236}">
-                <a16:creationId xmlns:a16="http://schemas.microsoft.com/office/drawing/2014/main" id="{6AA1887F-3E37-0D4D-9B58-D574B7476BBC}"/>
-              </a:ext>
-            </a:extLst>
-          </p:cNvPr>
-          <p:cNvSpPr txBox="1"/>
-          <p:nvPr/>
-        </p:nvSpPr>
-        <p:spPr>
-          <a:xfrm rot="16200000">
-            <a:off x="-174763" y="9965115"/>
-            <a:ext cx="774507" cy="369332"/>
-          </a:xfrm>
-          <a:prstGeom prst="rect">
-            <a:avLst/>
-          </a:prstGeom>
-          <a:noFill/>
-        </p:spPr>
-        <p:txBody>
-          <a:bodyPr wrap="none" rtlCol="0">
-            <a:spAutoFit/>
-          </a:bodyPr>
-          <a:lstStyle/>
-          <a:p>
-            <a:r>
-              <a:rPr lang="de-DE" b="1" dirty="0"/>
-              <a:t>KL+RC</a:t>
-            </a:r>
-          </a:p>
-        </p:txBody>
-      </p:sp>
-      <p:pic>
-        <p:nvPicPr>
-          <p:cNvPr id="80" name="Picture 79">
-            <a:extLst>
-              <a:ext uri="{FF2B5EF4-FFF2-40B4-BE49-F238E27FC236}">
-                <a16:creationId xmlns:a16="http://schemas.microsoft.com/office/drawing/2014/main" id="{3C5928E7-C5B3-2B4D-B0DE-39E824C59726}"/>
-              </a:ext>
-            </a:extLst>
-          </p:cNvPr>
-          <p:cNvPicPr>
-            <a:picLocks noChangeAspect="1"/>
-          </p:cNvPicPr>
-          <p:nvPr/>
-        </p:nvPicPr>
-        <p:blipFill>
-          <a:blip r:embed="rId21"/>
-          <a:stretch>
-            <a:fillRect/>
-          </a:stretch>
-        </p:blipFill>
-        <p:spPr>
-          <a:xfrm>
-            <a:off x="5839825" y="9524726"/>
-            <a:ext cx="1685167" cy="1531970"/>
-          </a:xfrm>
-          <a:prstGeom prst="rect">
-            <a:avLst/>
-          </a:prstGeom>
-        </p:spPr>
-      </p:pic>
-      <p:pic>
-        <p:nvPicPr>
-          <p:cNvPr id="81" name="Picture 80">
-            <a:extLst>
-              <a:ext uri="{FF2B5EF4-FFF2-40B4-BE49-F238E27FC236}">
-                <a16:creationId xmlns:a16="http://schemas.microsoft.com/office/drawing/2014/main" id="{4D3CCCB0-0E03-F04B-8D24-C68E78573B9B}"/>
-              </a:ext>
-            </a:extLst>
-          </p:cNvPr>
-          <p:cNvPicPr>
-            <a:picLocks noChangeAspect="1"/>
-          </p:cNvPicPr>
-          <p:nvPr/>
-        </p:nvPicPr>
-        <p:blipFill>
-          <a:blip r:embed="rId22"/>
-          <a:stretch>
-            <a:fillRect/>
-          </a:stretch>
-        </p:blipFill>
-        <p:spPr>
-          <a:xfrm>
-            <a:off x="3697297" y="9518834"/>
-            <a:ext cx="2150650" cy="1537862"/>
-          </a:xfrm>
-          <a:prstGeom prst="rect">
-            <a:avLst/>
-          </a:prstGeom>
-        </p:spPr>
-      </p:pic>
+              <a:t>ML+ KL</a:t>
+            </a:r>
+          </a:p>
+        </p:txBody>
+      </p:sp>
     </p:spTree>
     <p:extLst>
       <p:ext uri="{BB962C8B-B14F-4D97-AF65-F5344CB8AC3E}">

--- a/figs/SFig_Training_NICER.pptx
+++ b/figs/SFig_Training_NICER.pptx
@@ -243,7 +243,7 @@
           <a:p>
             <a:fld id="{5771F580-0499-3B4B-87CF-4B8A4B8895CC}" type="datetimeFigureOut">
               <a:rPr lang="de-DE" smtClean="0"/>
-              <a:t>13.11.18</a:t>
+              <a:t>15.11.18</a:t>
             </a:fld>
             <a:endParaRPr lang="de-DE"/>
           </a:p>
@@ -413,7 +413,7 @@
           <a:p>
             <a:fld id="{5771F580-0499-3B4B-87CF-4B8A4B8895CC}" type="datetimeFigureOut">
               <a:rPr lang="de-DE" smtClean="0"/>
-              <a:t>13.11.18</a:t>
+              <a:t>15.11.18</a:t>
             </a:fld>
             <a:endParaRPr lang="de-DE"/>
           </a:p>
@@ -593,7 +593,7 @@
           <a:p>
             <a:fld id="{5771F580-0499-3B4B-87CF-4B8A4B8895CC}" type="datetimeFigureOut">
               <a:rPr lang="de-DE" smtClean="0"/>
-              <a:t>13.11.18</a:t>
+              <a:t>15.11.18</a:t>
             </a:fld>
             <a:endParaRPr lang="de-DE"/>
           </a:p>
@@ -763,7 +763,7 @@
           <a:p>
             <a:fld id="{5771F580-0499-3B4B-87CF-4B8A4B8895CC}" type="datetimeFigureOut">
               <a:rPr lang="de-DE" smtClean="0"/>
-              <a:t>13.11.18</a:t>
+              <a:t>15.11.18</a:t>
             </a:fld>
             <a:endParaRPr lang="de-DE"/>
           </a:p>
@@ -1007,7 +1007,7 @@
           <a:p>
             <a:fld id="{5771F580-0499-3B4B-87CF-4B8A4B8895CC}" type="datetimeFigureOut">
               <a:rPr lang="de-DE" smtClean="0"/>
-              <a:t>13.11.18</a:t>
+              <a:t>15.11.18</a:t>
             </a:fld>
             <a:endParaRPr lang="de-DE"/>
           </a:p>
@@ -1239,7 +1239,7 @@
           <a:p>
             <a:fld id="{5771F580-0499-3B4B-87CF-4B8A4B8895CC}" type="datetimeFigureOut">
               <a:rPr lang="de-DE" smtClean="0"/>
-              <a:t>13.11.18</a:t>
+              <a:t>15.11.18</a:t>
             </a:fld>
             <a:endParaRPr lang="de-DE"/>
           </a:p>
@@ -1606,7 +1606,7 @@
           <a:p>
             <a:fld id="{5771F580-0499-3B4B-87CF-4B8A4B8895CC}" type="datetimeFigureOut">
               <a:rPr lang="de-DE" smtClean="0"/>
-              <a:t>13.11.18</a:t>
+              <a:t>15.11.18</a:t>
             </a:fld>
             <a:endParaRPr lang="de-DE"/>
           </a:p>
@@ -1724,7 +1724,7 @@
           <a:p>
             <a:fld id="{5771F580-0499-3B4B-87CF-4B8A4B8895CC}" type="datetimeFigureOut">
               <a:rPr lang="de-DE" smtClean="0"/>
-              <a:t>13.11.18</a:t>
+              <a:t>15.11.18</a:t>
             </a:fld>
             <a:endParaRPr lang="de-DE"/>
           </a:p>
@@ -1819,7 +1819,7 @@
           <a:p>
             <a:fld id="{5771F580-0499-3B4B-87CF-4B8A4B8895CC}" type="datetimeFigureOut">
               <a:rPr lang="de-DE" smtClean="0"/>
-              <a:t>13.11.18</a:t>
+              <a:t>15.11.18</a:t>
             </a:fld>
             <a:endParaRPr lang="de-DE"/>
           </a:p>
@@ -2096,7 +2096,7 @@
           <a:p>
             <a:fld id="{5771F580-0499-3B4B-87CF-4B8A4B8895CC}" type="datetimeFigureOut">
               <a:rPr lang="de-DE" smtClean="0"/>
-              <a:t>13.11.18</a:t>
+              <a:t>15.11.18</a:t>
             </a:fld>
             <a:endParaRPr lang="de-DE"/>
           </a:p>
@@ -2353,7 +2353,7 @@
           <a:p>
             <a:fld id="{5771F580-0499-3B4B-87CF-4B8A4B8895CC}" type="datetimeFigureOut">
               <a:rPr lang="de-DE" smtClean="0"/>
-              <a:t>13.11.18</a:t>
+              <a:t>15.11.18</a:t>
             </a:fld>
             <a:endParaRPr lang="de-DE"/>
           </a:p>
@@ -2566,7 +2566,7 @@
           <a:p>
             <a:fld id="{5771F580-0499-3B4B-87CF-4B8A4B8895CC}" type="datetimeFigureOut">
               <a:rPr lang="de-DE" smtClean="0"/>
-              <a:t>13.11.18</a:t>
+              <a:t>15.11.18</a:t>
             </a:fld>
             <a:endParaRPr lang="de-DE"/>
           </a:p>
@@ -2973,10 +2973,10 @@
       </p:grpSpPr>
       <p:pic>
         <p:nvPicPr>
-          <p:cNvPr id="11" name="Picture 10">
+          <p:cNvPr id="12" name="Picture 11">
             <a:extLst>
               <a:ext uri="{FF2B5EF4-FFF2-40B4-BE49-F238E27FC236}">
-                <a16:creationId xmlns:a16="http://schemas.microsoft.com/office/drawing/2014/main" id="{64A3ED80-E246-D84F-8000-A1E6E63E7022}"/>
+                <a16:creationId xmlns:a16="http://schemas.microsoft.com/office/drawing/2014/main" id="{692AD495-350F-4E45-9CE3-8732B03F7F0A}"/>
               </a:ext>
             </a:extLst>
           </p:cNvPr>
@@ -2999,8 +2999,8 @@
         </p:blipFill>
         <p:spPr>
           <a:xfrm>
-            <a:off x="389461" y="5612423"/>
-            <a:ext cx="7170213" cy="1919644"/>
+            <a:off x="397158" y="5612450"/>
+            <a:ext cx="7162516" cy="1917584"/>
           </a:xfrm>
           <a:prstGeom prst="rect">
             <a:avLst/>
